--- a/Progression.pptx
+++ b/Progression.pptx
@@ -248,7 +248,7 @@
           <a:p>
             <a:fld id="{5BAD5815-5720-4ABA-BA7F-DAD48FAB3D0D}" type="datetimeFigureOut">
               <a:rPr lang="fr-FR" smtClean="0"/>
-              <a:t>26/10/2024</a:t>
+              <a:t>15/01/2025</a:t>
             </a:fld>
             <a:endParaRPr lang="fr-FR"/>
           </a:p>
@@ -418,7 +418,7 @@
           <a:p>
             <a:fld id="{5BAD5815-5720-4ABA-BA7F-DAD48FAB3D0D}" type="datetimeFigureOut">
               <a:rPr lang="fr-FR" smtClean="0"/>
-              <a:t>26/10/2024</a:t>
+              <a:t>15/01/2025</a:t>
             </a:fld>
             <a:endParaRPr lang="fr-FR"/>
           </a:p>
@@ -598,7 +598,7 @@
           <a:p>
             <a:fld id="{5BAD5815-5720-4ABA-BA7F-DAD48FAB3D0D}" type="datetimeFigureOut">
               <a:rPr lang="fr-FR" smtClean="0"/>
-              <a:t>26/10/2024</a:t>
+              <a:t>15/01/2025</a:t>
             </a:fld>
             <a:endParaRPr lang="fr-FR"/>
           </a:p>
@@ -768,7 +768,7 @@
           <a:p>
             <a:fld id="{5BAD5815-5720-4ABA-BA7F-DAD48FAB3D0D}" type="datetimeFigureOut">
               <a:rPr lang="fr-FR" smtClean="0"/>
-              <a:t>26/10/2024</a:t>
+              <a:t>15/01/2025</a:t>
             </a:fld>
             <a:endParaRPr lang="fr-FR"/>
           </a:p>
@@ -1012,7 +1012,7 @@
           <a:p>
             <a:fld id="{5BAD5815-5720-4ABA-BA7F-DAD48FAB3D0D}" type="datetimeFigureOut">
               <a:rPr lang="fr-FR" smtClean="0"/>
-              <a:t>26/10/2024</a:t>
+              <a:t>15/01/2025</a:t>
             </a:fld>
             <a:endParaRPr lang="fr-FR"/>
           </a:p>
@@ -1244,7 +1244,7 @@
           <a:p>
             <a:fld id="{5BAD5815-5720-4ABA-BA7F-DAD48FAB3D0D}" type="datetimeFigureOut">
               <a:rPr lang="fr-FR" smtClean="0"/>
-              <a:t>26/10/2024</a:t>
+              <a:t>15/01/2025</a:t>
             </a:fld>
             <a:endParaRPr lang="fr-FR"/>
           </a:p>
@@ -1611,7 +1611,7 @@
           <a:p>
             <a:fld id="{5BAD5815-5720-4ABA-BA7F-DAD48FAB3D0D}" type="datetimeFigureOut">
               <a:rPr lang="fr-FR" smtClean="0"/>
-              <a:t>26/10/2024</a:t>
+              <a:t>15/01/2025</a:t>
             </a:fld>
             <a:endParaRPr lang="fr-FR"/>
           </a:p>
@@ -1729,7 +1729,7 @@
           <a:p>
             <a:fld id="{5BAD5815-5720-4ABA-BA7F-DAD48FAB3D0D}" type="datetimeFigureOut">
               <a:rPr lang="fr-FR" smtClean="0"/>
-              <a:t>26/10/2024</a:t>
+              <a:t>15/01/2025</a:t>
             </a:fld>
             <a:endParaRPr lang="fr-FR"/>
           </a:p>
@@ -1824,7 +1824,7 @@
           <a:p>
             <a:fld id="{5BAD5815-5720-4ABA-BA7F-DAD48FAB3D0D}" type="datetimeFigureOut">
               <a:rPr lang="fr-FR" smtClean="0"/>
-              <a:t>26/10/2024</a:t>
+              <a:t>15/01/2025</a:t>
             </a:fld>
             <a:endParaRPr lang="fr-FR"/>
           </a:p>
@@ -2101,7 +2101,7 @@
           <a:p>
             <a:fld id="{5BAD5815-5720-4ABA-BA7F-DAD48FAB3D0D}" type="datetimeFigureOut">
               <a:rPr lang="fr-FR" smtClean="0"/>
-              <a:t>26/10/2024</a:t>
+              <a:t>15/01/2025</a:t>
             </a:fld>
             <a:endParaRPr lang="fr-FR"/>
           </a:p>
@@ -2358,7 +2358,7 @@
           <a:p>
             <a:fld id="{5BAD5815-5720-4ABA-BA7F-DAD48FAB3D0D}" type="datetimeFigureOut">
               <a:rPr lang="fr-FR" smtClean="0"/>
-              <a:t>26/10/2024</a:t>
+              <a:t>15/01/2025</a:t>
             </a:fld>
             <a:endParaRPr lang="fr-FR"/>
           </a:p>
@@ -2571,7 +2571,7 @@
           <a:p>
             <a:fld id="{5BAD5815-5720-4ABA-BA7F-DAD48FAB3D0D}" type="datetimeFigureOut">
               <a:rPr lang="fr-FR" smtClean="0"/>
-              <a:t>26/10/2024</a:t>
+              <a:t>15/01/2025</a:t>
             </a:fld>
             <a:endParaRPr lang="fr-FR"/>
           </a:p>
@@ -3036,7 +3036,7 @@
           <p:nvPr>
             <p:extLst>
               <p:ext uri="{D42A27DB-BD31-4B8C-83A1-F6EECF244321}">
-                <p14:modId xmlns:p14="http://schemas.microsoft.com/office/powerpoint/2010/main" val="1723456551"/>
+                <p14:modId xmlns:p14="http://schemas.microsoft.com/office/powerpoint/2010/main" val="3586814385"/>
               </p:ext>
             </p:extLst>
           </p:nvPr>
@@ -3263,7 +3263,7 @@
                         <a:defRPr/>
                       </a:pPr>
                       <a:r>
-                        <a:rPr lang="fr-FR" sz="1400" b="1" dirty="0" smtClean="0"/>
+                        <a:rPr lang="fr-FR" sz="1400" b="1" dirty="0"/>
                         <a:t>Vacances + PFMP</a:t>
                       </a:r>
                     </a:p>
@@ -3465,18 +3465,10 @@
                             <a:schemeClr val="tx1"/>
                           </a:solidFill>
                         </a:rPr>
-                        <a:t>Projet </a:t>
+                        <a:t>Projet lycée</a:t>
                       </a:r>
                       <a:r>
-                        <a:rPr lang="fr-FR" sz="1400" dirty="0" smtClean="0">
-                          <a:solidFill>
-                            <a:schemeClr val="tx1"/>
-                          </a:solidFill>
-                        </a:rPr>
-                        <a:t>lycée</a:t>
-                      </a:r>
-                      <a:r>
-                        <a:rPr lang="fr-FR" sz="1400" baseline="0" dirty="0" smtClean="0">
+                        <a:rPr lang="fr-FR" sz="1400" baseline="0" dirty="0">
                           <a:solidFill>
                             <a:schemeClr val="tx1"/>
                           </a:solidFill>
@@ -3685,29 +3677,16 @@
                         </a:rPr>
                         <a:t>1 sept. </a:t>
                       </a:r>
-                      <a:endParaRPr lang="fr-FR" sz="1100" dirty="0" smtClean="0">
-                        <a:solidFill>
-                          <a:schemeClr val="tx1"/>
-                        </a:solidFill>
-                      </a:endParaRPr>
                     </a:p>
                     <a:p>
                       <a:pPr algn="ctr"/>
-                      <a:r>
-                        <a:rPr lang="fr-FR" sz="1100" dirty="0" smtClean="0">
-                          <a:solidFill>
-                            <a:schemeClr val="tx1"/>
-                          </a:solidFill>
-                        </a:rPr>
-                        <a:t> </a:t>
-                      </a:r>
                       <a:r>
                         <a:rPr lang="fr-FR" sz="1100" dirty="0">
                           <a:solidFill>
                             <a:schemeClr val="tx1"/>
                           </a:solidFill>
                         </a:rPr>
-                        <a:t>18 oct.</a:t>
+                        <a:t> 18 oct.</a:t>
                       </a:r>
                     </a:p>
                   </a:txBody>
@@ -3770,14 +3749,14 @@
                     <a:p>
                       <a:pPr algn="ctr"/>
                       <a:r>
-                        <a:rPr lang="fr-FR" sz="1100" dirty="0" smtClean="0"/>
+                        <a:rPr lang="fr-FR" sz="1100" dirty="0"/>
                         <a:t>19 oct. </a:t>
                       </a:r>
                     </a:p>
                     <a:p>
                       <a:pPr algn="ctr"/>
                       <a:r>
-                        <a:rPr lang="fr-FR" sz="1100" dirty="0" smtClean="0"/>
+                        <a:rPr lang="fr-FR" sz="1100" dirty="0"/>
                         <a:t> 15 déc.</a:t>
                       </a:r>
                       <a:endParaRPr lang="fr-FR" sz="1100" dirty="0">
@@ -3853,29 +3832,16 @@
                         </a:rPr>
                         <a:t>16 déc. </a:t>
                       </a:r>
-                      <a:endParaRPr lang="fr-FR" sz="1100" dirty="0" smtClean="0">
-                        <a:solidFill>
-                          <a:schemeClr val="tx1"/>
-                        </a:solidFill>
-                      </a:endParaRPr>
                     </a:p>
                     <a:p>
                       <a:pPr algn="ctr"/>
-                      <a:r>
-                        <a:rPr lang="fr-FR" sz="1100" dirty="0" smtClean="0">
-                          <a:solidFill>
-                            <a:schemeClr val="tx1"/>
-                          </a:solidFill>
-                        </a:rPr>
-                        <a:t> </a:t>
-                      </a:r>
                       <a:r>
                         <a:rPr lang="fr-FR" sz="1100" dirty="0">
                           <a:solidFill>
                             <a:schemeClr val="tx1"/>
                           </a:solidFill>
                         </a:rPr>
-                        <a:t>20 déc.</a:t>
+                        <a:t> 20 déc.</a:t>
                       </a:r>
                     </a:p>
                   </a:txBody>
@@ -3938,18 +3904,13 @@
                     <a:p>
                       <a:pPr algn="ctr"/>
                       <a:r>
-                        <a:rPr lang="fr-FR" sz="1100" dirty="0" smtClean="0">
+                        <a:rPr lang="fr-FR" sz="1100" dirty="0">
                           <a:solidFill>
                             <a:schemeClr val="tx1"/>
                           </a:solidFill>
                         </a:rPr>
                         <a:t>vacances</a:t>
                       </a:r>
-                      <a:endParaRPr lang="fr-FR" sz="1100" dirty="0">
-                        <a:solidFill>
-                          <a:schemeClr val="tx1"/>
-                        </a:solidFill>
-                      </a:endParaRPr>
                     </a:p>
                   </a:txBody>
                   <a:tcPr anchor="ctr">
@@ -4009,7 +3970,7 @@
                     <a:p>
                       <a:pPr algn="ctr"/>
                       <a:r>
-                        <a:rPr lang="fr-FR" sz="1100" dirty="0" smtClean="0">
+                        <a:rPr lang="fr-FR" sz="1100" dirty="0">
                           <a:solidFill>
                             <a:schemeClr val="tx1"/>
                           </a:solidFill>
@@ -4020,7 +3981,7 @@
                     <a:p>
                       <a:pPr algn="ctr"/>
                       <a:r>
-                        <a:rPr lang="fr-FR" sz="1100" dirty="0" smtClean="0">
+                        <a:rPr lang="fr-FR" sz="1100" dirty="0">
                           <a:solidFill>
                             <a:schemeClr val="tx1"/>
                           </a:solidFill>
@@ -4028,7 +3989,7 @@
                         <a:t>14 </a:t>
                       </a:r>
                       <a:r>
-                        <a:rPr lang="fr-FR" sz="1100" dirty="0" err="1" smtClean="0">
+                        <a:rPr lang="fr-FR" sz="1100" dirty="0" err="1">
                           <a:solidFill>
                             <a:schemeClr val="tx1"/>
                           </a:solidFill>
@@ -4036,18 +3997,13 @@
                         <a:t>fev</a:t>
                       </a:r>
                       <a:r>
-                        <a:rPr lang="fr-FR" sz="1100" dirty="0" smtClean="0">
+                        <a:rPr lang="fr-FR" sz="1100" dirty="0">
                           <a:solidFill>
                             <a:schemeClr val="tx1"/>
                           </a:solidFill>
                         </a:rPr>
                         <a:t>.</a:t>
                       </a:r>
-                      <a:endParaRPr lang="fr-FR" sz="1100" dirty="0">
-                        <a:solidFill>
-                          <a:schemeClr val="tx1"/>
-                        </a:solidFill>
-                      </a:endParaRPr>
                     </a:p>
                   </a:txBody>
                   <a:tcPr anchor="ctr">
@@ -4125,7 +4081,7 @@
                         <a:defRPr/>
                       </a:pPr>
                       <a:r>
-                        <a:rPr lang="fr-FR" sz="1100" dirty="0" smtClean="0">
+                        <a:rPr lang="fr-FR" sz="1100" dirty="0">
                           <a:solidFill>
                             <a:schemeClr val="tx1"/>
                           </a:solidFill>
@@ -4191,7 +4147,7 @@
                     <a:p>
                       <a:pPr algn="ctr"/>
                       <a:r>
-                        <a:rPr lang="fr-FR" sz="1100" dirty="0" smtClean="0">
+                        <a:rPr lang="fr-FR" sz="1100" dirty="0">
                           <a:solidFill>
                             <a:schemeClr val="tx1"/>
                           </a:solidFill>
@@ -4202,18 +4158,13 @@
                     <a:p>
                       <a:pPr algn="ctr"/>
                       <a:r>
-                        <a:rPr lang="fr-FR" sz="1100" dirty="0" smtClean="0">
+                        <a:rPr lang="fr-FR" sz="1100" dirty="0">
                           <a:solidFill>
                             <a:schemeClr val="tx1"/>
                           </a:solidFill>
                         </a:rPr>
                         <a:t>11 avril</a:t>
                       </a:r>
-                      <a:endParaRPr lang="fr-FR" sz="1100" dirty="0">
-                        <a:solidFill>
-                          <a:schemeClr val="tx1"/>
-                        </a:solidFill>
-                      </a:endParaRPr>
                     </a:p>
                   </a:txBody>
                   <a:tcPr anchor="ctr">
@@ -4292,18 +4243,13 @@
                     <a:p>
                       <a:pPr algn="ctr"/>
                       <a:r>
-                        <a:rPr lang="fr-FR" sz="1100" dirty="0" smtClean="0">
+                        <a:rPr lang="fr-FR" sz="1100" dirty="0">
                           <a:solidFill>
                             <a:schemeClr val="tx1"/>
                           </a:solidFill>
                         </a:rPr>
                         <a:t>7 semaines</a:t>
                       </a:r>
-                      <a:endParaRPr lang="fr-FR" sz="1100" dirty="0">
-                        <a:solidFill>
-                          <a:schemeClr val="tx1"/>
-                        </a:solidFill>
-                      </a:endParaRPr>
                     </a:p>
                   </a:txBody>
                   <a:tcPr anchor="ctr">
@@ -4365,18 +4311,13 @@
                     <a:p>
                       <a:pPr algn="ctr"/>
                       <a:r>
-                        <a:rPr lang="fr-FR" sz="1100" dirty="0" smtClean="0">
+                        <a:rPr lang="fr-FR" sz="1100" dirty="0">
                           <a:solidFill>
                             <a:schemeClr val="tx1"/>
                           </a:solidFill>
                         </a:rPr>
                         <a:t>6 semaines</a:t>
                       </a:r>
-                      <a:endParaRPr lang="fr-FR" sz="1100" dirty="0">
-                        <a:solidFill>
-                          <a:schemeClr val="tx1"/>
-                        </a:solidFill>
-                      </a:endParaRPr>
                     </a:p>
                   </a:txBody>
                   <a:tcPr anchor="ctr">
@@ -4438,18 +4379,13 @@
                     <a:p>
                       <a:pPr algn="ctr"/>
                       <a:r>
-                        <a:rPr lang="fr-FR" sz="1100" dirty="0" smtClean="0">
+                        <a:rPr lang="fr-FR" sz="1100" dirty="0">
                           <a:solidFill>
                             <a:schemeClr val="tx1"/>
                           </a:solidFill>
                         </a:rPr>
                         <a:t>1 semaine</a:t>
                       </a:r>
-                      <a:endParaRPr lang="fr-FR" sz="1100" dirty="0">
-                        <a:solidFill>
-                          <a:schemeClr val="tx1"/>
-                        </a:solidFill>
-                      </a:endParaRPr>
                     </a:p>
                   </a:txBody>
                   <a:tcPr anchor="ctr">
@@ -4574,18 +4510,13 @@
                     <a:p>
                       <a:pPr algn="ctr"/>
                       <a:r>
-                        <a:rPr lang="fr-FR" sz="1100" dirty="0" smtClean="0">
+                        <a:rPr lang="fr-FR" sz="1100" dirty="0">
                           <a:solidFill>
                             <a:schemeClr val="tx1"/>
                           </a:solidFill>
                         </a:rPr>
                         <a:t>6 semaines</a:t>
                       </a:r>
-                      <a:endParaRPr lang="fr-FR" sz="1100" dirty="0">
-                        <a:solidFill>
-                          <a:schemeClr val="tx1"/>
-                        </a:solidFill>
-                      </a:endParaRPr>
                     </a:p>
                   </a:txBody>
                   <a:tcPr anchor="ctr">
@@ -4662,7 +4593,7 @@
                         <a:tabLst/>
                         <a:defRPr/>
                       </a:pPr>
-                      <a:endParaRPr lang="fr-FR" sz="1100" dirty="0" smtClean="0">
+                      <a:endParaRPr lang="fr-FR" sz="1100" dirty="0">
                         <a:solidFill>
                           <a:schemeClr val="tx1"/>
                         </a:solidFill>
@@ -4726,18 +4657,13 @@
                     <a:p>
                       <a:pPr algn="ctr"/>
                       <a:r>
-                        <a:rPr lang="fr-FR" sz="1100" dirty="0" smtClean="0">
+                        <a:rPr lang="fr-FR" sz="1100" dirty="0">
                           <a:solidFill>
                             <a:schemeClr val="tx1"/>
                           </a:solidFill>
                         </a:rPr>
                         <a:t>6 semaines</a:t>
                       </a:r>
-                      <a:endParaRPr lang="fr-FR" sz="1100" dirty="0">
-                        <a:solidFill>
-                          <a:schemeClr val="tx1"/>
-                        </a:solidFill>
-                      </a:endParaRPr>
                     </a:p>
                   </a:txBody>
                   <a:tcPr anchor="ctr">
@@ -4951,7 +4877,7 @@
                         <a:buNone/>
                       </a:pPr>
                       <a:r>
-                        <a:rPr lang="fr-FR" sz="1200" b="0" dirty="0" smtClean="0">
+                        <a:rPr lang="fr-FR" sz="1200" b="0" dirty="0">
                           <a:solidFill>
                             <a:schemeClr val="tx1"/>
                           </a:solidFill>
@@ -4959,7 +4885,7 @@
                         <a:t>Réalisation</a:t>
                       </a:r>
                       <a:r>
-                        <a:rPr lang="fr-FR" sz="1200" b="0" baseline="0" dirty="0" smtClean="0">
+                        <a:rPr lang="fr-FR" sz="1200" b="0" baseline="0" dirty="0">
                           <a:solidFill>
                             <a:schemeClr val="tx1"/>
                           </a:solidFill>
@@ -5046,16 +4972,8 @@
                         <a:defRPr/>
                       </a:pPr>
                       <a:r>
-                        <a:rPr lang="fr-FR" sz="1200" dirty="0" smtClean="0"/>
-                        <a:t>Ouverture d’un groupe sur « </a:t>
-                      </a:r>
-                      <a:r>
-                        <a:rPr lang="fr-FR" sz="1200" dirty="0" err="1" smtClean="0"/>
-                        <a:t>Pronote</a:t>
-                      </a:r>
-                      <a:r>
-                        <a:rPr lang="fr-FR" sz="1200" dirty="0" smtClean="0"/>
-                        <a:t> » pour la révision de cours pendant cette  longue période</a:t>
+                        <a:rPr lang="fr-FR" sz="1200" dirty="0"/>
+                        <a:t>Partage de ressources pour la révision pendant cette période</a:t>
                       </a:r>
                     </a:p>
                     <a:p>
@@ -5076,7 +4994,7 @@
                         <a:tabLst/>
                         <a:defRPr/>
                       </a:pPr>
-                      <a:endParaRPr lang="fr-FR" sz="1200" dirty="0" smtClean="0"/>
+                      <a:endParaRPr lang="fr-FR" sz="1200" dirty="0"/>
                     </a:p>
                     <a:p>
                       <a:pPr marL="0" marR="0" lvl="0" indent="0" algn="ctr" defTabSz="1007943" rtl="0" eaLnBrk="1" fontAlgn="auto" latinLnBrk="0" hangingPunct="1">
@@ -5097,7 +5015,7 @@
                         <a:defRPr/>
                       </a:pPr>
                       <a:r>
-                        <a:rPr lang="fr-FR" sz="1200" dirty="0" smtClean="0"/>
+                        <a:rPr lang="fr-FR" sz="1200" dirty="0"/>
                         <a:t>Révision des sujets de première et seconde année</a:t>
                       </a:r>
                       <a:endParaRPr lang="fr-FR" sz="1200" dirty="0">
@@ -5180,7 +5098,7 @@
                         <a:defRPr/>
                       </a:pPr>
                       <a:r>
-                        <a:rPr lang="fr-FR" sz="1200" dirty="0" smtClean="0">
+                        <a:rPr lang="fr-FR" sz="1200" dirty="0">
                           <a:solidFill>
                             <a:schemeClr val="tx1"/>
                           </a:solidFill>
@@ -5206,7 +5124,7 @@
                         <a:tabLst/>
                         <a:defRPr/>
                       </a:pPr>
-                      <a:endParaRPr lang="fr-FR" sz="1200" dirty="0" smtClean="0">
+                      <a:endParaRPr lang="fr-FR" sz="1200" dirty="0">
                         <a:solidFill>
                           <a:schemeClr val="tx1"/>
                         </a:solidFill>
@@ -5231,7 +5149,7 @@
                         <a:defRPr/>
                       </a:pPr>
                       <a:r>
-                        <a:rPr lang="fr-FR" sz="1200" dirty="0" smtClean="0">
+                        <a:rPr lang="fr-FR" sz="1200" dirty="0">
                           <a:solidFill>
                             <a:schemeClr val="tx1"/>
                           </a:solidFill>
@@ -5239,14 +5157,14 @@
                         <a:t>Rédaction du dossier</a:t>
                       </a:r>
                       <a:r>
-                        <a:rPr lang="fr-FR" sz="1200" baseline="0" dirty="0" smtClean="0">
+                        <a:rPr lang="fr-FR" sz="1200" baseline="0" dirty="0">
                           <a:solidFill>
                             <a:schemeClr val="tx1"/>
                           </a:solidFill>
                         </a:rPr>
                         <a:t> du projet</a:t>
                       </a:r>
-                      <a:endParaRPr lang="fr-FR" sz="1200" dirty="0" smtClean="0">
+                      <a:endParaRPr lang="fr-FR" sz="1200" dirty="0">
                         <a:solidFill>
                           <a:schemeClr val="tx1"/>
                         </a:solidFill>
@@ -5270,7 +5188,7 @@
                         <a:tabLst/>
                         <a:defRPr/>
                       </a:pPr>
-                      <a:endParaRPr lang="fr-FR" sz="1200" dirty="0" smtClean="0">
+                      <a:endParaRPr lang="fr-FR" sz="1200" dirty="0">
                         <a:solidFill>
                           <a:schemeClr val="tx1"/>
                         </a:solidFill>
@@ -5480,15 +5398,7 @@
                             <a:schemeClr val="tx1"/>
                           </a:solidFill>
                         </a:rPr>
-                        <a:t>Les outils de coupe (toupie</a:t>
-                      </a:r>
-                      <a:r>
-                        <a:rPr lang="fr-FR" sz="1200" dirty="0" smtClean="0">
-                          <a:solidFill>
-                            <a:schemeClr val="tx1"/>
-                          </a:solidFill>
-                        </a:rPr>
-                        <a:t>)</a:t>
+                        <a:t>Les outils de coupe (toupie)</a:t>
                       </a:r>
                     </a:p>
                     <a:p>
@@ -5496,7 +5406,7 @@
                         <a:buFont typeface="Arial" panose="020B0604020202020204" pitchFamily="34" charset="0"/>
                         <a:buNone/>
                       </a:pPr>
-                      <a:endParaRPr lang="fr-FR" sz="1200" dirty="0" smtClean="0">
+                      <a:endParaRPr lang="fr-FR" sz="1200" dirty="0">
                         <a:solidFill>
                           <a:schemeClr val="tx1"/>
                         </a:solidFill>
@@ -5508,7 +5418,7 @@
                         <a:buNone/>
                       </a:pPr>
                       <a:r>
-                        <a:rPr lang="fr-FR" sz="1200" dirty="0" smtClean="0">
+                        <a:rPr lang="fr-FR" sz="1200" dirty="0">
                           <a:solidFill>
                             <a:schemeClr val="tx1"/>
                           </a:solidFill>
@@ -5516,7 +5426,7 @@
                         <a:t>Etude</a:t>
                       </a:r>
                       <a:r>
-                        <a:rPr lang="fr-FR" sz="1200" baseline="0" dirty="0" smtClean="0">
+                        <a:rPr lang="fr-FR" sz="1200" baseline="0" dirty="0">
                           <a:solidFill>
                             <a:schemeClr val="tx1"/>
                           </a:solidFill>
@@ -5706,20 +5616,12 @@
                         <a:buNone/>
                       </a:pPr>
                       <a:r>
-                        <a:rPr lang="fr-FR" sz="1200" dirty="0" smtClean="0">
-                          <a:solidFill>
-                            <a:schemeClr val="tx1"/>
-                          </a:solidFill>
-                        </a:rPr>
-                        <a:t>Le </a:t>
-                      </a:r>
-                      <a:r>
                         <a:rPr lang="fr-FR" sz="1200" dirty="0">
                           <a:solidFill>
                             <a:schemeClr val="tx1"/>
                           </a:solidFill>
                         </a:rPr>
-                        <a:t>parquet</a:t>
+                        <a:t>Le parquet</a:t>
                       </a:r>
                     </a:p>
                     <a:p>
@@ -5938,21 +5840,8 @@
                   <a:schemeClr val="tx1"/>
                 </a:solidFill>
               </a:rPr>
-              <a:t>6 heures </a:t>
+              <a:t>6 heures par semaine réparties comme il suit : </a:t>
             </a:r>
-            <a:r>
-              <a:rPr lang="fr-FR" sz="1200" dirty="0" smtClean="0">
-                <a:solidFill>
-                  <a:schemeClr val="tx1"/>
-                </a:solidFill>
-              </a:rPr>
-              <a:t>par semaine réparties comme il suit : </a:t>
-            </a:r>
-            <a:endParaRPr lang="fr-FR" sz="1200" dirty="0">
-              <a:solidFill>
-                <a:schemeClr val="tx1"/>
-              </a:solidFill>
-            </a:endParaRPr>
           </a:p>
           <a:p>
             <a:endParaRPr lang="fr-FR" sz="1200" dirty="0">
@@ -5988,15 +5877,7 @@
                   <a:schemeClr val="tx1"/>
                 </a:solidFill>
               </a:rPr>
-              <a:t>4h d’enseignement </a:t>
-            </a:r>
-            <a:r>
-              <a:rPr lang="fr-FR" sz="1200" dirty="0" smtClean="0">
-                <a:solidFill>
-                  <a:schemeClr val="tx1"/>
-                </a:solidFill>
-              </a:rPr>
-              <a:t>professionnel</a:t>
+              <a:t>4h d’enseignement professionnel</a:t>
             </a:r>
           </a:p>
           <a:p>
@@ -6008,7 +5889,7 @@
           </a:p>
           <a:p>
             <a:r>
-              <a:rPr lang="fr-FR" sz="1200" dirty="0" smtClean="0">
+              <a:rPr lang="fr-FR" sz="1200" dirty="0">
                 <a:solidFill>
                   <a:schemeClr val="tx1"/>
                 </a:solidFill>
@@ -6016,7 +5897,7 @@
               <a:t>Le projet du lycée de </a:t>
             </a:r>
             <a:r>
-              <a:rPr lang="fr-FR" sz="1200" dirty="0" err="1" smtClean="0">
+              <a:rPr lang="fr-FR" sz="1200" dirty="0" err="1">
                 <a:solidFill>
                   <a:schemeClr val="tx1"/>
                 </a:solidFill>
@@ -6024,7 +5905,7 @@
               <a:t>demaine</a:t>
             </a:r>
             <a:r>
-              <a:rPr lang="fr-FR" sz="1200" smtClean="0">
+              <a:rPr lang="fr-FR" sz="1200">
                 <a:solidFill>
                   <a:schemeClr val="tx1"/>
                 </a:solidFill>
@@ -6032,18 +5913,13 @@
               <a:t> </a:t>
             </a:r>
             <a:r>
-              <a:rPr lang="fr-FR" sz="1200" dirty="0" smtClean="0">
+              <a:rPr lang="fr-FR" sz="1200" dirty="0">
                 <a:solidFill>
                   <a:schemeClr val="tx1"/>
                 </a:solidFill>
               </a:rPr>
               <a:t>est un projet avec des intervenants externes</a:t>
             </a:r>
-            <a:endParaRPr lang="fr-FR" sz="1200" dirty="0">
-              <a:solidFill>
-                <a:schemeClr val="tx1"/>
-              </a:solidFill>
-            </a:endParaRPr>
           </a:p>
           <a:p>
             <a:endParaRPr lang="fr-FR" dirty="0">
@@ -6779,7 +6655,7 @@
                         <a:tabLst/>
                         <a:defRPr/>
                       </a:pPr>
-                      <a:endParaRPr lang="fr-FR" sz="1400" dirty="0" smtClean="0">
+                      <a:endParaRPr lang="fr-FR" sz="1400" dirty="0">
                         <a:solidFill>
                           <a:schemeClr val="tx1"/>
                         </a:solidFill>
@@ -6804,18 +6680,13 @@
                         <a:defRPr/>
                       </a:pPr>
                       <a:r>
-                        <a:rPr lang="fr-FR" sz="1400" dirty="0" smtClean="0">
+                        <a:rPr lang="fr-FR" sz="1400" dirty="0">
                           <a:solidFill>
                             <a:schemeClr val="tx1"/>
                           </a:solidFill>
                         </a:rPr>
                         <a:t>30 minutes par semaine</a:t>
                       </a:r>
-                      <a:endParaRPr lang="fr-FR" sz="1400" dirty="0">
-                        <a:solidFill>
-                          <a:schemeClr val="tx1"/>
-                        </a:solidFill>
-                      </a:endParaRPr>
                     </a:p>
                     <a:p>
                       <a:pPr algn="ctr"/>
@@ -6959,7 +6830,7 @@
                     <a:p>
                       <a:pPr algn="ctr"/>
                       <a:r>
-                        <a:rPr lang="fr-FR" sz="1400" dirty="0" smtClean="0">
+                        <a:rPr lang="fr-FR" sz="1400" dirty="0">
                           <a:solidFill>
                             <a:schemeClr val="tx1"/>
                           </a:solidFill>
@@ -6970,7 +6841,7 @@
                     <a:p>
                       <a:pPr algn="ctr"/>
                       <a:r>
-                        <a:rPr lang="fr-FR" sz="1400" dirty="0" smtClean="0">
+                        <a:rPr lang="fr-FR" sz="1400" dirty="0">
                           <a:solidFill>
                             <a:schemeClr val="tx1"/>
                           </a:solidFill>
@@ -7387,18 +7258,13 @@
                     <a:p>
                       <a:pPr algn="ctr"/>
                       <a:r>
-                        <a:rPr lang="fr-FR" sz="1400" dirty="0" smtClean="0">
+                        <a:rPr lang="fr-FR" sz="1400" dirty="0">
                           <a:solidFill>
                             <a:schemeClr val="tx1"/>
                           </a:solidFill>
                         </a:rPr>
                         <a:t>Entaille</a:t>
                       </a:r>
-                      <a:endParaRPr lang="fr-FR" sz="1400" dirty="0">
-                        <a:solidFill>
-                          <a:schemeClr val="tx1"/>
-                        </a:solidFill>
-                      </a:endParaRPr>
                     </a:p>
                   </a:txBody>
                   <a:tcPr anchor="ctr">
@@ -7455,7 +7321,7 @@
                     <a:p>
                       <a:pPr algn="ctr"/>
                       <a:r>
-                        <a:rPr lang="fr-FR" sz="1400" dirty="0" smtClean="0">
+                        <a:rPr lang="fr-FR" sz="1400" dirty="0">
                           <a:solidFill>
                             <a:schemeClr val="tx1"/>
                           </a:solidFill>
@@ -7463,7 +7329,7 @@
                         <a:t>Casse</a:t>
                       </a:r>
                       <a:r>
-                        <a:rPr lang="fr-FR" sz="1400" baseline="0" dirty="0" smtClean="0">
+                        <a:rPr lang="fr-FR" sz="1400" baseline="0" dirty="0">
                           <a:solidFill>
                             <a:schemeClr val="tx1"/>
                           </a:solidFill>
@@ -7471,7 +7337,7 @@
                         <a:t> </a:t>
                       </a:r>
                       <a:r>
-                        <a:rPr lang="fr-FR" sz="1400" baseline="0" dirty="0" err="1" smtClean="0">
+                        <a:rPr lang="fr-FR" sz="1400" baseline="0" dirty="0" err="1">
                           <a:solidFill>
                             <a:schemeClr val="tx1"/>
                           </a:solidFill>
@@ -7539,18 +7405,13 @@
                     <a:p>
                       <a:pPr algn="ctr"/>
                       <a:r>
-                        <a:rPr lang="fr-FR" sz="1400" dirty="0" smtClean="0">
+                        <a:rPr lang="fr-FR" sz="1400" dirty="0">
                           <a:solidFill>
                             <a:schemeClr val="tx1"/>
                           </a:solidFill>
                         </a:rPr>
                         <a:t>cadre</a:t>
                       </a:r>
-                      <a:endParaRPr lang="fr-FR" sz="1400" dirty="0">
-                        <a:solidFill>
-                          <a:schemeClr val="tx1"/>
-                        </a:solidFill>
-                      </a:endParaRPr>
                     </a:p>
                   </a:txBody>
                   <a:tcPr anchor="ctr">
@@ -8382,112 +8243,6 @@
                 <a:schemeClr val="tx1"/>
               </a:solidFill>
             </a:endParaRPr>
-          </a:p>
-          <a:p>
-            <a:r>
-              <a:rPr lang="fr-FR" dirty="0">
-                <a:solidFill>
-                  <a:schemeClr val="tx1"/>
-                </a:solidFill>
-              </a:rPr>
-              <a:t>Uniquement Co-enseignement :</a:t>
-            </a:r>
-          </a:p>
-          <a:p>
-            <a:endParaRPr lang="fr-FR" dirty="0">
-              <a:solidFill>
-                <a:schemeClr val="tx1"/>
-              </a:solidFill>
-            </a:endParaRPr>
-          </a:p>
-          <a:p>
-            <a:r>
-              <a:rPr lang="fr-FR" dirty="0">
-                <a:solidFill>
-                  <a:schemeClr val="tx1"/>
-                </a:solidFill>
-              </a:rPr>
-              <a:t> </a:t>
-            </a:r>
-            <a:r>
-              <a:rPr lang="fr-FR" b="1" dirty="0">
-                <a:solidFill>
-                  <a:schemeClr val="tx1"/>
-                </a:solidFill>
-              </a:rPr>
-              <a:t>Passage à l’oral</a:t>
-            </a:r>
-          </a:p>
-          <a:p>
-            <a:endParaRPr lang="fr-FR" dirty="0">
-              <a:solidFill>
-                <a:schemeClr val="tx1"/>
-              </a:solidFill>
-            </a:endParaRPr>
-          </a:p>
-          <a:p>
-            <a:r>
-              <a:rPr lang="fr-FR" dirty="0">
-                <a:solidFill>
-                  <a:schemeClr val="tx1"/>
-                </a:solidFill>
-              </a:rPr>
-              <a:t> - Présentations des machines de l’atelier </a:t>
-            </a:r>
-          </a:p>
-          <a:p>
-            <a:r>
-              <a:rPr lang="fr-FR" dirty="0">
-                <a:solidFill>
-                  <a:schemeClr val="tx1"/>
-                </a:solidFill>
-              </a:rPr>
-              <a:t>- Exposés sur la menuiserie]</a:t>
-            </a:r>
-          </a:p>
-          <a:p>
-            <a:endParaRPr lang="fr-FR" dirty="0">
-              <a:solidFill>
-                <a:schemeClr val="tx1"/>
-              </a:solidFill>
-            </a:endParaRPr>
-          </a:p>
-          <a:p>
-            <a:r>
-              <a:rPr lang="fr-FR" dirty="0">
-                <a:solidFill>
-                  <a:schemeClr val="tx1"/>
-                </a:solidFill>
-              </a:rPr>
-              <a:t>Compétences :</a:t>
-            </a:r>
-          </a:p>
-          <a:p>
-            <a:endParaRPr lang="fr-FR" dirty="0">
-              <a:solidFill>
-                <a:schemeClr val="tx1"/>
-              </a:solidFill>
-            </a:endParaRPr>
-          </a:p>
-          <a:p>
-            <a:r>
-              <a:rPr lang="fr-FR" dirty="0">
-                <a:solidFill>
-                  <a:schemeClr val="tx1"/>
-                </a:solidFill>
-              </a:rPr>
-              <a:t>C6.23</a:t>
-            </a:r>
-          </a:p>
-          <a:p>
-            <a:r>
-              <a:rPr lang="fr-FR" dirty="0">
-                <a:solidFill>
-                  <a:schemeClr val="tx1"/>
-                </a:solidFill>
-              </a:rPr>
-              <a:t>C6.31</a:t>
-            </a:r>
           </a:p>
           <a:p>
             <a:endParaRPr lang="fr-FR" dirty="0">
